--- a/getting-started-groupby-pivotby.pptx
+++ b/getting-started-groupby-pivotby.pptx
@@ -5,29 +5,17 @@
     <p:sldMasterId id="2147483648" r:id="rId1"/>
   </p:sldMasterIdLst>
   <p:notesMasterIdLst>
-    <p:notesMasterId r:id="rId10"/>
+    <p:notesMasterId r:id="rId7"/>
   </p:notesMasterIdLst>
   <p:sldIdLst>
     <p:sldId id="256" r:id="rId2"/>
     <p:sldId id="425" r:id="rId3"/>
     <p:sldId id="426" r:id="rId4"/>
-    <p:sldId id="407" r:id="rId5"/>
-    <p:sldId id="428" r:id="rId6"/>
-    <p:sldId id="434" r:id="rId7"/>
-    <p:sldId id="415" r:id="rId8"/>
-    <p:sldId id="427" r:id="rId9"/>
+    <p:sldId id="415" r:id="rId5"/>
+    <p:sldId id="427" r:id="rId6"/>
   </p:sldIdLst>
   <p:sldSz cx="18288000" cy="10287000"/>
   <p:notesSz cx="6858000" cy="9144000"/>
-  <p:embeddedFontLst>
-    <p:embeddedFont>
-      <p:font typeface="Consolas" panose="020B0609020204030204" pitchFamily="49" charset="0"/>
-      <p:regular r:id="rId11"/>
-      <p:bold r:id="rId12"/>
-      <p:italic r:id="rId13"/>
-      <p:boldItalic r:id="rId14"/>
-    </p:embeddedFont>
-  </p:embeddedFontLst>
   <p:defaultTextStyle>
     <a:defPPr>
       <a:defRPr lang="en-US"/>
@@ -242,7 +230,7 @@
           <a:p>
             <a:fld id="{17A98A70-FA8C-4354-959C-C70678AC9BCF}" type="datetimeFigureOut">
               <a:rPr lang="en-US" smtClean="0"/>
-              <a:t>10/18/2024</a:t>
+              <a:t>2/19/2025</a:t>
             </a:fld>
             <a:endParaRPr lang="en-US"/>
           </a:p>
@@ -509,354 +497,6 @@
 </p:notesMaster>
 </file>
 
-<file path=ppt/notesSlides/notesSlide1.xml><?xml version="1.0" encoding="utf-8"?>
-<p:notes xmlns:a="http://schemas.openxmlformats.org/drawingml/2006/main" xmlns:r="http://schemas.openxmlformats.org/officeDocument/2006/relationships" xmlns:p="http://schemas.openxmlformats.org/presentationml/2006/main">
-  <p:cSld>
-    <p:spTree>
-      <p:nvGrpSpPr>
-        <p:cNvPr id="1" name=""/>
-        <p:cNvGrpSpPr/>
-        <p:nvPr/>
-      </p:nvGrpSpPr>
-      <p:grpSpPr>
-        <a:xfrm>
-          <a:off x="0" y="0"/>
-          <a:ext cx="0" cy="0"/>
-          <a:chOff x="0" y="0"/>
-          <a:chExt cx="0" cy="0"/>
-        </a:xfrm>
-      </p:grpSpPr>
-      <p:sp>
-        <p:nvSpPr>
-          <p:cNvPr id="2" name="Slide Image Placeholder 1"/>
-          <p:cNvSpPr>
-            <a:spLocks noGrp="1" noRot="1" noChangeAspect="1"/>
-          </p:cNvSpPr>
-          <p:nvPr>
-            <p:ph type="sldImg"/>
-          </p:nvPr>
-        </p:nvSpPr>
-        <p:spPr/>
-      </p:sp>
-      <p:sp>
-        <p:nvSpPr>
-          <p:cNvPr id="3" name="Notes Placeholder 2"/>
-          <p:cNvSpPr>
-            <a:spLocks noGrp="1"/>
-          </p:cNvSpPr>
-          <p:nvPr>
-            <p:ph type="body" idx="1"/>
-          </p:nvPr>
-        </p:nvSpPr>
-        <p:spPr/>
-        <p:txBody>
-          <a:bodyPr/>
-          <a:lstStyle/>
-          <a:p>
-            <a:pPr marL="228600" indent="-228600">
-              <a:buAutoNum type="arabicPeriod"/>
-            </a:pPr>
-            <a:r>
-              <a:rPr lang="en-US" dirty="0"/>
-              <a:t>False!</a:t>
-            </a:r>
-          </a:p>
-          <a:p>
-            <a:pPr marL="228600" indent="-228600">
-              <a:buAutoNum type="arabicPeriod"/>
-            </a:pPr>
-            <a:r>
-              <a:rPr lang="en-US" dirty="0"/>
-              <a:t>Function, Formula, Function</a:t>
-            </a:r>
-          </a:p>
-          <a:p>
-            <a:pPr marL="228600" indent="-228600">
-              <a:buAutoNum type="arabicPeriod"/>
-            </a:pPr>
-            <a:r>
-              <a:rPr lang="en-US" dirty="0"/>
-              <a:t>Argument</a:t>
-            </a:r>
-          </a:p>
-        </p:txBody>
-      </p:sp>
-      <p:sp>
-        <p:nvSpPr>
-          <p:cNvPr id="4" name="Slide Number Placeholder 3"/>
-          <p:cNvSpPr>
-            <a:spLocks noGrp="1"/>
-          </p:cNvSpPr>
-          <p:nvPr>
-            <p:ph type="sldNum" sz="quarter" idx="5"/>
-          </p:nvPr>
-        </p:nvSpPr>
-        <p:spPr/>
-        <p:txBody>
-          <a:bodyPr/>
-          <a:lstStyle/>
-          <a:p>
-            <a:fld id="{1300335D-9F13-4B80-ADC5-B0EA3E10FF6B}" type="slidenum">
-              <a:rPr lang="en-US" smtClean="0"/>
-              <a:t>4</a:t>
-            </a:fld>
-            <a:endParaRPr lang="en-US"/>
-          </a:p>
-        </p:txBody>
-      </p:sp>
-    </p:spTree>
-    <p:extLst>
-      <p:ext uri="{BB962C8B-B14F-4D97-AF65-F5344CB8AC3E}">
-        <p14:creationId xmlns:p14="http://schemas.microsoft.com/office/powerpoint/2010/main" val="624549242"/>
-      </p:ext>
-    </p:extLst>
-  </p:cSld>
-  <p:clrMapOvr>
-    <a:masterClrMapping/>
-  </p:clrMapOvr>
-</p:notes>
-</file>
-
-<file path=ppt/notesSlides/notesSlide2.xml><?xml version="1.0" encoding="utf-8"?>
-<p:notes xmlns:a="http://schemas.openxmlformats.org/drawingml/2006/main" xmlns:r="http://schemas.openxmlformats.org/officeDocument/2006/relationships" xmlns:p="http://schemas.openxmlformats.org/presentationml/2006/main">
-  <p:cSld>
-    <p:spTree>
-      <p:nvGrpSpPr>
-        <p:cNvPr id="1" name=""/>
-        <p:cNvGrpSpPr/>
-        <p:nvPr/>
-      </p:nvGrpSpPr>
-      <p:grpSpPr>
-        <a:xfrm>
-          <a:off x="0" y="0"/>
-          <a:ext cx="0" cy="0"/>
-          <a:chOff x="0" y="0"/>
-          <a:chExt cx="0" cy="0"/>
-        </a:xfrm>
-      </p:grpSpPr>
-      <p:sp>
-        <p:nvSpPr>
-          <p:cNvPr id="2" name="Slide Image Placeholder 1"/>
-          <p:cNvSpPr>
-            <a:spLocks noGrp="1" noRot="1" noChangeAspect="1"/>
-          </p:cNvSpPr>
-          <p:nvPr>
-            <p:ph type="sldImg"/>
-          </p:nvPr>
-        </p:nvSpPr>
-        <p:spPr/>
-      </p:sp>
-      <p:sp>
-        <p:nvSpPr>
-          <p:cNvPr id="3" name="Notes Placeholder 2"/>
-          <p:cNvSpPr>
-            <a:spLocks noGrp="1"/>
-          </p:cNvSpPr>
-          <p:nvPr>
-            <p:ph type="body" idx="1"/>
-          </p:nvPr>
-        </p:nvSpPr>
-        <p:spPr/>
-        <p:txBody>
-          <a:bodyPr/>
-          <a:lstStyle/>
-          <a:p>
-            <a:pPr marL="228600" indent="-228600">
-              <a:buAutoNum type="arabicPeriod"/>
-            </a:pPr>
-            <a:r>
-              <a:rPr lang="en-US" dirty="0"/>
-              <a:t>False!</a:t>
-            </a:r>
-          </a:p>
-          <a:p>
-            <a:pPr marL="228600" indent="-228600">
-              <a:buAutoNum type="arabicPeriod"/>
-            </a:pPr>
-            <a:r>
-              <a:rPr lang="en-US" dirty="0"/>
-              <a:t>Function, Formula, Function</a:t>
-            </a:r>
-          </a:p>
-          <a:p>
-            <a:pPr marL="228600" indent="-228600">
-              <a:buAutoNum type="arabicPeriod"/>
-            </a:pPr>
-            <a:r>
-              <a:rPr lang="en-US" dirty="0"/>
-              <a:t>Argument</a:t>
-            </a:r>
-          </a:p>
-        </p:txBody>
-      </p:sp>
-      <p:sp>
-        <p:nvSpPr>
-          <p:cNvPr id="4" name="Slide Number Placeholder 3"/>
-          <p:cNvSpPr>
-            <a:spLocks noGrp="1"/>
-          </p:cNvSpPr>
-          <p:nvPr>
-            <p:ph type="sldNum" sz="quarter" idx="5"/>
-          </p:nvPr>
-        </p:nvSpPr>
-        <p:spPr/>
-        <p:txBody>
-          <a:bodyPr/>
-          <a:lstStyle/>
-          <a:p>
-            <a:fld id="{1300335D-9F13-4B80-ADC5-B0EA3E10FF6B}" type="slidenum">
-              <a:rPr lang="en-US" smtClean="0"/>
-              <a:t>5</a:t>
-            </a:fld>
-            <a:endParaRPr lang="en-US"/>
-          </a:p>
-        </p:txBody>
-      </p:sp>
-    </p:spTree>
-    <p:extLst>
-      <p:ext uri="{BB962C8B-B14F-4D97-AF65-F5344CB8AC3E}">
-        <p14:creationId xmlns:p14="http://schemas.microsoft.com/office/powerpoint/2010/main" val="3864329887"/>
-      </p:ext>
-    </p:extLst>
-  </p:cSld>
-  <p:clrMapOvr>
-    <a:masterClrMapping/>
-  </p:clrMapOvr>
-</p:notes>
-</file>
-
-<file path=ppt/notesSlides/notesSlide3.xml><?xml version="1.0" encoding="utf-8"?>
-<p:notes xmlns:a="http://schemas.openxmlformats.org/drawingml/2006/main" xmlns:r="http://schemas.openxmlformats.org/officeDocument/2006/relationships" xmlns:p="http://schemas.openxmlformats.org/presentationml/2006/main">
-  <p:cSld>
-    <p:spTree>
-      <p:nvGrpSpPr>
-        <p:cNvPr id="1" name="">
-          <a:extLst>
-            <a:ext uri="{FF2B5EF4-FFF2-40B4-BE49-F238E27FC236}">
-              <a16:creationId xmlns:a16="http://schemas.microsoft.com/office/drawing/2014/main" id="{4C7D5532-326F-4669-1CB2-DA7AFD783D1B}"/>
-            </a:ext>
-          </a:extLst>
-        </p:cNvPr>
-        <p:cNvGrpSpPr/>
-        <p:nvPr/>
-      </p:nvGrpSpPr>
-      <p:grpSpPr>
-        <a:xfrm>
-          <a:off x="0" y="0"/>
-          <a:ext cx="0" cy="0"/>
-          <a:chOff x="0" y="0"/>
-          <a:chExt cx="0" cy="0"/>
-        </a:xfrm>
-      </p:grpSpPr>
-      <p:sp>
-        <p:nvSpPr>
-          <p:cNvPr id="2" name="Slide Image Placeholder 1">
-            <a:extLst>
-              <a:ext uri="{FF2B5EF4-FFF2-40B4-BE49-F238E27FC236}">
-                <a16:creationId xmlns:a16="http://schemas.microsoft.com/office/drawing/2014/main" id="{F7F669E7-8D85-DEB6-7D4D-FA8E8268D141}"/>
-              </a:ext>
-            </a:extLst>
-          </p:cNvPr>
-          <p:cNvSpPr>
-            <a:spLocks noGrp="1" noRot="1" noChangeAspect="1"/>
-          </p:cNvSpPr>
-          <p:nvPr>
-            <p:ph type="sldImg"/>
-          </p:nvPr>
-        </p:nvSpPr>
-        <p:spPr/>
-      </p:sp>
-      <p:sp>
-        <p:nvSpPr>
-          <p:cNvPr id="3" name="Notes Placeholder 2">
-            <a:extLst>
-              <a:ext uri="{FF2B5EF4-FFF2-40B4-BE49-F238E27FC236}">
-                <a16:creationId xmlns:a16="http://schemas.microsoft.com/office/drawing/2014/main" id="{261F375F-294F-03AB-52EE-36A85AF9FC2A}"/>
-              </a:ext>
-            </a:extLst>
-          </p:cNvPr>
-          <p:cNvSpPr>
-            <a:spLocks noGrp="1"/>
-          </p:cNvSpPr>
-          <p:nvPr>
-            <p:ph type="body" idx="1"/>
-          </p:nvPr>
-        </p:nvSpPr>
-        <p:spPr/>
-        <p:txBody>
-          <a:bodyPr/>
-          <a:lstStyle/>
-          <a:p>
-            <a:pPr marL="228600" indent="-228600">
-              <a:buAutoNum type="arabicPeriod"/>
-            </a:pPr>
-            <a:r>
-              <a:rPr lang="en-US" dirty="0"/>
-              <a:t>False!</a:t>
-            </a:r>
-          </a:p>
-          <a:p>
-            <a:pPr marL="228600" indent="-228600">
-              <a:buAutoNum type="arabicPeriod"/>
-            </a:pPr>
-            <a:r>
-              <a:rPr lang="en-US" dirty="0"/>
-              <a:t>Function, Formula, Function</a:t>
-            </a:r>
-          </a:p>
-          <a:p>
-            <a:pPr marL="228600" indent="-228600">
-              <a:buAutoNum type="arabicPeriod"/>
-            </a:pPr>
-            <a:r>
-              <a:rPr lang="en-US" dirty="0"/>
-              <a:t>Argument</a:t>
-            </a:r>
-          </a:p>
-        </p:txBody>
-      </p:sp>
-      <p:sp>
-        <p:nvSpPr>
-          <p:cNvPr id="4" name="Slide Number Placeholder 3">
-            <a:extLst>
-              <a:ext uri="{FF2B5EF4-FFF2-40B4-BE49-F238E27FC236}">
-                <a16:creationId xmlns:a16="http://schemas.microsoft.com/office/drawing/2014/main" id="{9A17E0FB-DBB2-3D20-1323-ADC2F3DB14CF}"/>
-              </a:ext>
-            </a:extLst>
-          </p:cNvPr>
-          <p:cNvSpPr>
-            <a:spLocks noGrp="1"/>
-          </p:cNvSpPr>
-          <p:nvPr>
-            <p:ph type="sldNum" sz="quarter" idx="5"/>
-          </p:nvPr>
-        </p:nvSpPr>
-        <p:spPr/>
-        <p:txBody>
-          <a:bodyPr/>
-          <a:lstStyle/>
-          <a:p>
-            <a:fld id="{1300335D-9F13-4B80-ADC5-B0EA3E10FF6B}" type="slidenum">
-              <a:rPr lang="en-US" smtClean="0"/>
-              <a:t>6</a:t>
-            </a:fld>
-            <a:endParaRPr lang="en-US"/>
-          </a:p>
-        </p:txBody>
-      </p:sp>
-    </p:spTree>
-    <p:extLst>
-      <p:ext uri="{BB962C8B-B14F-4D97-AF65-F5344CB8AC3E}">
-        <p14:creationId xmlns:p14="http://schemas.microsoft.com/office/powerpoint/2010/main" val="917505817"/>
-      </p:ext>
-    </p:extLst>
-  </p:cSld>
-  <p:clrMapOvr>
-    <a:masterClrMapping/>
-  </p:clrMapOvr>
-</p:notes>
-</file>
-
 <file path=ppt/slideLayouts/slideLayout1.xml><?xml version="1.0" encoding="utf-8"?>
 <p:sldLayout xmlns:a="http://schemas.openxmlformats.org/drawingml/2006/main" xmlns:r="http://schemas.openxmlformats.org/officeDocument/2006/relationships" xmlns:p="http://schemas.openxmlformats.org/presentationml/2006/main" type="title" preserve="1">
   <p:cSld name="Title Slide">
@@ -1037,7 +677,7 @@
             <a:fld id="{1D8BD707-D9CF-40AE-B4C6-C98DA3205C09}" type="datetimeFigureOut">
               <a:rPr lang="en-US" smtClean="0"/>
               <a:pPr/>
-              <a:t>10/18/2024</a:t>
+              <a:t>2/19/2025</a:t>
             </a:fld>
             <a:endParaRPr lang="en-US"/>
           </a:p>
@@ -1202,7 +842,7 @@
             <a:fld id="{1D8BD707-D9CF-40AE-B4C6-C98DA3205C09}" type="datetimeFigureOut">
               <a:rPr lang="en-US" smtClean="0"/>
               <a:pPr/>
-              <a:t>10/18/2024</a:t>
+              <a:t>2/19/2025</a:t>
             </a:fld>
             <a:endParaRPr lang="en-US"/>
           </a:p>
@@ -1377,7 +1017,7 @@
             <a:fld id="{1D8BD707-D9CF-40AE-B4C6-C98DA3205C09}" type="datetimeFigureOut">
               <a:rPr lang="en-US" smtClean="0"/>
               <a:pPr/>
-              <a:t>10/18/2024</a:t>
+              <a:t>2/19/2025</a:t>
             </a:fld>
             <a:endParaRPr lang="en-US"/>
           </a:p>
@@ -1542,7 +1182,7 @@
             <a:fld id="{1D8BD707-D9CF-40AE-B4C6-C98DA3205C09}" type="datetimeFigureOut">
               <a:rPr lang="en-US" smtClean="0"/>
               <a:pPr/>
-              <a:t>10/18/2024</a:t>
+              <a:t>2/19/2025</a:t>
             </a:fld>
             <a:endParaRPr lang="en-US"/>
           </a:p>
@@ -1784,7 +1424,7 @@
             <a:fld id="{1D8BD707-D9CF-40AE-B4C6-C98DA3205C09}" type="datetimeFigureOut">
               <a:rPr lang="en-US" smtClean="0"/>
               <a:pPr/>
-              <a:t>10/18/2024</a:t>
+              <a:t>2/19/2025</a:t>
             </a:fld>
             <a:endParaRPr lang="en-US"/>
           </a:p>
@@ -2066,7 +1706,7 @@
             <a:fld id="{1D8BD707-D9CF-40AE-B4C6-C98DA3205C09}" type="datetimeFigureOut">
               <a:rPr lang="en-US" smtClean="0"/>
               <a:pPr/>
-              <a:t>10/18/2024</a:t>
+              <a:t>2/19/2025</a:t>
             </a:fld>
             <a:endParaRPr lang="en-US"/>
           </a:p>
@@ -2482,7 +2122,7 @@
             <a:fld id="{1D8BD707-D9CF-40AE-B4C6-C98DA3205C09}" type="datetimeFigureOut">
               <a:rPr lang="en-US" smtClean="0"/>
               <a:pPr/>
-              <a:t>10/18/2024</a:t>
+              <a:t>2/19/2025</a:t>
             </a:fld>
             <a:endParaRPr lang="en-US"/>
           </a:p>
@@ -2596,7 +2236,7 @@
             <a:fld id="{1D8BD707-D9CF-40AE-B4C6-C98DA3205C09}" type="datetimeFigureOut">
               <a:rPr lang="en-US" smtClean="0"/>
               <a:pPr/>
-              <a:t>10/18/2024</a:t>
+              <a:t>2/19/2025</a:t>
             </a:fld>
             <a:endParaRPr lang="en-US"/>
           </a:p>
@@ -2688,7 +2328,7 @@
             <a:fld id="{1D8BD707-D9CF-40AE-B4C6-C98DA3205C09}" type="datetimeFigureOut">
               <a:rPr lang="en-US" smtClean="0"/>
               <a:pPr/>
-              <a:t>10/18/2024</a:t>
+              <a:t>2/19/2025</a:t>
             </a:fld>
             <a:endParaRPr lang="en-US"/>
           </a:p>
@@ -2960,7 +2600,7 @@
             <a:fld id="{1D8BD707-D9CF-40AE-B4C6-C98DA3205C09}" type="datetimeFigureOut">
               <a:rPr lang="en-US" smtClean="0"/>
               <a:pPr/>
-              <a:t>10/18/2024</a:t>
+              <a:t>2/19/2025</a:t>
             </a:fld>
             <a:endParaRPr lang="en-US"/>
           </a:p>
@@ -3209,7 +2849,7 @@
             <a:fld id="{1D8BD707-D9CF-40AE-B4C6-C98DA3205C09}" type="datetimeFigureOut">
               <a:rPr lang="en-US" smtClean="0"/>
               <a:pPr/>
-              <a:t>10/18/2024</a:t>
+              <a:t>2/19/2025</a:t>
             </a:fld>
             <a:endParaRPr lang="en-US"/>
           </a:p>
@@ -3422,7 +3062,7 @@
             <a:fld id="{1D8BD707-D9CF-40AE-B4C6-C98DA3205C09}" type="datetimeFigureOut">
               <a:rPr lang="en-US" smtClean="0"/>
               <a:pPr/>
-              <a:t>10/18/2024</a:t>
+              <a:t>2/19/2025</a:t>
             </a:fld>
             <a:endParaRPr lang="en-US"/>
           </a:p>
@@ -3881,7 +3521,7 @@
                 </a:solidFill>
                 <a:latin typeface="Pragmatica" panose="020B0403040502020204" pitchFamily="34" charset="0"/>
               </a:rPr>
-              <a:t>First steps with Power Automate for Excel users</a:t>
+              <a:t>Getting started with GROUPBY() and PIVOTBY() in Excel</a:t>
             </a:r>
           </a:p>
         </p:txBody>
@@ -4335,7 +3975,7 @@
         <p:spPr>
           <a:xfrm>
             <a:off x="520861" y="3191948"/>
-            <a:ext cx="14393120" cy="2031325"/>
+            <a:ext cx="14393120" cy="4832092"/>
           </a:xfrm>
           <a:prstGeom prst="rect">
             <a:avLst/>
@@ -4348,72 +3988,51 @@
           </a:bodyPr>
           <a:lstStyle/>
           <a:p>
-            <a:pPr marL="685800" indent="-685800">
-              <a:buClr>
-                <a:srgbClr val="CF3338"/>
-              </a:buClr>
+            <a:pPr marL="571500" indent="-571500" algn="l">
               <a:buFont typeface="Arial" panose="020B0604020202020204" pitchFamily="34" charset="0"/>
               <a:buChar char="•"/>
             </a:pPr>
             <a:r>
-              <a:rPr lang="en-US" sz="4200" dirty="0">
+              <a:rPr lang="en-US" sz="4400" b="0" i="0" dirty="0">
                 <a:solidFill>
-                  <a:srgbClr val="707070"/>
+                  <a:srgbClr val="6F7287"/>
                 </a:solidFill>
-                <a:latin typeface="Pragmatica" panose="020B0403040502020204" pitchFamily="34" charset="0"/>
+                <a:effectLst/>
+                <a:latin typeface="Neue Plak"/>
               </a:rPr>
-              <a:t>Build your first Power Automate workflow for Excel</a:t>
-            </a:r>
-          </a:p>
-          <a:p>
-            <a:pPr marL="685800" indent="-685800">
-              <a:buClr>
-                <a:srgbClr val="CF3338"/>
-              </a:buClr>
+              <a:t>Understand and apply the GROUPBY() function to aggregate and summarize data dynamically.</a:t>
+            </a:r>
+          </a:p>
+          <a:p>
+            <a:pPr marL="571500" indent="-571500" algn="l">
               <a:buFont typeface="Arial" panose="020B0604020202020204" pitchFamily="34" charset="0"/>
               <a:buChar char="•"/>
             </a:pPr>
             <a:r>
-              <a:rPr lang="en-US" sz="4200" dirty="0">
+              <a:rPr lang="en-US" sz="4400" b="0" i="0" dirty="0">
                 <a:solidFill>
-                  <a:srgbClr val="707070"/>
+                  <a:srgbClr val="6F7287"/>
                 </a:solidFill>
-                <a:latin typeface="Pragmatica" panose="020B0403040502020204" pitchFamily="34" charset="0"/>
+                <a:effectLst/>
+                <a:latin typeface="Neue Plak"/>
               </a:rPr>
-              <a:t>Reformat the flow’s output with Power </a:t>
-            </a:r>
-            <a:r>
-              <a:rPr lang="en-US" sz="4200" dirty="0" err="1">
-                <a:solidFill>
-                  <a:srgbClr val="707070"/>
-                </a:solidFill>
-                <a:latin typeface="Pragmatica" panose="020B0403040502020204" pitchFamily="34" charset="0"/>
-              </a:rPr>
-              <a:t>Fx</a:t>
-            </a:r>
-            <a:endParaRPr lang="en-US" sz="4200" dirty="0">
-              <a:solidFill>
-                <a:srgbClr val="707070"/>
-              </a:solidFill>
-              <a:latin typeface="Pragmatica" panose="020B0403040502020204" pitchFamily="34" charset="0"/>
-            </a:endParaRPr>
-          </a:p>
-          <a:p>
-            <a:pPr marL="685800" indent="-685800">
-              <a:buClr>
-                <a:srgbClr val="CF3338"/>
-              </a:buClr>
+              <a:t>Utilize the PIVOTBY() function to flexibly display data across both rows and columns for comprehensive analysis.</a:t>
+            </a:r>
+          </a:p>
+          <a:p>
+            <a:pPr marL="571500" indent="-571500" algn="l">
               <a:buFont typeface="Arial" panose="020B0604020202020204" pitchFamily="34" charset="0"/>
               <a:buChar char="•"/>
             </a:pPr>
             <a:r>
-              <a:rPr lang="en-US" sz="4200" dirty="0">
+              <a:rPr lang="en-US" sz="4400" b="0" i="0" dirty="0">
                 <a:solidFill>
-                  <a:srgbClr val="707070"/>
+                  <a:srgbClr val="6F7287"/>
                 </a:solidFill>
-                <a:latin typeface="Pragmatica" panose="020B0403040502020204" pitchFamily="34" charset="0"/>
+                <a:effectLst/>
+                <a:latin typeface="Neue Plak"/>
               </a:rPr>
-              <a:t>Getting help building flows with Copilot</a:t>
+              <a:t>Transition between using traditional PivotTables to these more powerful, formula-driven alternatives for faster and more responsive data insights.</a:t>
             </a:r>
           </a:p>
         </p:txBody>
@@ -4468,790 +4087,6 @@
 </file>
 
 <file path=ppt/slides/slide4.xml><?xml version="1.0" encoding="utf-8"?>
-<p:sld xmlns:a="http://schemas.openxmlformats.org/drawingml/2006/main" xmlns:r="http://schemas.openxmlformats.org/officeDocument/2006/relationships" xmlns:p="http://schemas.openxmlformats.org/presentationml/2006/main">
-  <p:cSld>
-    <p:spTree>
-      <p:nvGrpSpPr>
-        <p:cNvPr id="1" name=""/>
-        <p:cNvGrpSpPr/>
-        <p:nvPr/>
-      </p:nvGrpSpPr>
-      <p:grpSpPr>
-        <a:xfrm>
-          <a:off x="0" y="0"/>
-          <a:ext cx="0" cy="0"/>
-          <a:chOff x="0" y="0"/>
-          <a:chExt cx="0" cy="0"/>
-        </a:xfrm>
-      </p:grpSpPr>
-      <p:sp>
-        <p:nvSpPr>
-          <p:cNvPr id="4" name="Rectangle 3"/>
-          <p:cNvSpPr/>
-          <p:nvPr/>
-        </p:nvSpPr>
-        <p:spPr>
-          <a:xfrm>
-            <a:off x="9861630" y="0"/>
-            <a:ext cx="8426370" cy="10287000"/>
-          </a:xfrm>
-          <a:prstGeom prst="rect">
-            <a:avLst/>
-          </a:prstGeom>
-          <a:solidFill>
-            <a:srgbClr val="CF3338"/>
-          </a:solidFill>
-          <a:ln>
-            <a:noFill/>
-          </a:ln>
-        </p:spPr>
-        <p:style>
-          <a:lnRef idx="2">
-            <a:schemeClr val="accent1">
-              <a:shade val="50000"/>
-            </a:schemeClr>
-          </a:lnRef>
-          <a:fillRef idx="1">
-            <a:schemeClr val="accent1"/>
-          </a:fillRef>
-          <a:effectRef idx="0">
-            <a:schemeClr val="accent1"/>
-          </a:effectRef>
-          <a:fontRef idx="minor">
-            <a:schemeClr val="lt1"/>
-          </a:fontRef>
-        </p:style>
-        <p:txBody>
-          <a:bodyPr rtlCol="0" anchor="ctr"/>
-          <a:lstStyle/>
-          <a:p>
-            <a:pPr algn="ctr"/>
-            <a:endParaRPr lang="en-US" sz="2700"/>
-          </a:p>
-        </p:txBody>
-      </p:sp>
-      <p:pic>
-        <p:nvPicPr>
-          <p:cNvPr id="2" name="Picture 1"/>
-          <p:cNvPicPr>
-            <a:picLocks noChangeAspect="1"/>
-          </p:cNvPicPr>
-          <p:nvPr/>
-        </p:nvPicPr>
-        <p:blipFill rotWithShape="1">
-          <a:blip r:embed="rId3">
-            <a:extLst>
-              <a:ext uri="{28A0092B-C50C-407E-A947-70E740481C1C}">
-                <a14:useLocalDpi xmlns:a14="http://schemas.microsoft.com/office/drawing/2010/main" val="0"/>
-              </a:ext>
-            </a:extLst>
-          </a:blip>
-          <a:srcRect l="69227" t="33418" r="20112" b="50548"/>
-          <a:stretch/>
-        </p:blipFill>
-        <p:spPr>
-          <a:xfrm>
-            <a:off x="15579524" y="7544693"/>
-            <a:ext cx="2708477" cy="2987579"/>
-          </a:xfrm>
-          <a:prstGeom prst="rect">
-            <a:avLst/>
-          </a:prstGeom>
-        </p:spPr>
-      </p:pic>
-      <p:sp>
-        <p:nvSpPr>
-          <p:cNvPr id="3" name="TextBox 2"/>
-          <p:cNvSpPr txBox="1"/>
-          <p:nvPr/>
-        </p:nvSpPr>
-        <p:spPr>
-          <a:xfrm>
-            <a:off x="260431" y="329879"/>
-            <a:ext cx="8906720" cy="4881721"/>
-          </a:xfrm>
-          <a:prstGeom prst="rect">
-            <a:avLst/>
-          </a:prstGeom>
-          <a:noFill/>
-        </p:spPr>
-        <p:txBody>
-          <a:bodyPr wrap="square" rtlCol="0">
-            <a:spAutoFit/>
-          </a:bodyPr>
-          <a:lstStyle/>
-          <a:p>
-            <a:r>
-              <a:rPr lang="en-US" sz="6000" b="1" dirty="0">
-                <a:solidFill>
-                  <a:srgbClr val="CF3338"/>
-                </a:solidFill>
-                <a:latin typeface="Pragmatica" panose="020B0403040502020204" pitchFamily="34" charset="0"/>
-              </a:rPr>
-              <a:t>First flow with Power Automate</a:t>
-            </a:r>
-          </a:p>
-          <a:p>
-            <a:endParaRPr lang="en-US" sz="4200" dirty="0">
-              <a:solidFill>
-                <a:srgbClr val="CF3338"/>
-              </a:solidFill>
-              <a:latin typeface="Pragmatica" panose="020B0403040502020204" pitchFamily="34" charset="0"/>
-            </a:endParaRPr>
-          </a:p>
-          <a:p>
-            <a:pPr marL="685800" indent="-542925">
-              <a:lnSpc>
-                <a:spcPct val="115000"/>
-              </a:lnSpc>
-              <a:spcBef>
-                <a:spcPts val="1125"/>
-              </a:spcBef>
-              <a:buClr>
-                <a:srgbClr val="C00000"/>
-              </a:buClr>
-              <a:buSzPts val="2100"/>
-              <a:buFont typeface="Arial"/>
-              <a:buAutoNum type="arabicPeriod"/>
-            </a:pPr>
-            <a:r>
-              <a:rPr lang="en-US" sz="3600" dirty="0">
-                <a:solidFill>
-                  <a:srgbClr val="C00000"/>
-                </a:solidFill>
-                <a:latin typeface="Pragmatica" panose="020B0403040502020204"/>
-                <a:sym typeface="Consolas"/>
-              </a:rPr>
-              <a:t>Use Power Automate templates for Excel</a:t>
-            </a:r>
-          </a:p>
-          <a:p>
-            <a:pPr marL="685800" indent="-542925">
-              <a:lnSpc>
-                <a:spcPct val="115000"/>
-              </a:lnSpc>
-              <a:spcBef>
-                <a:spcPts val="1125"/>
-              </a:spcBef>
-              <a:buClr>
-                <a:srgbClr val="C00000"/>
-              </a:buClr>
-              <a:buSzPts val="2100"/>
-              <a:buFont typeface="Arial"/>
-              <a:buAutoNum type="arabicPeriod"/>
-            </a:pPr>
-            <a:r>
-              <a:rPr lang="en-US" sz="3600" dirty="0">
-                <a:solidFill>
-                  <a:srgbClr val="C00000"/>
-                </a:solidFill>
-                <a:latin typeface="Pragmatica" panose="020B0403040502020204"/>
-                <a:sym typeface="Consolas"/>
-              </a:rPr>
-              <a:t>Create clock in/clock out workflow</a:t>
-            </a:r>
-          </a:p>
-          <a:p>
-            <a:pPr marL="142875">
-              <a:lnSpc>
-                <a:spcPct val="115000"/>
-              </a:lnSpc>
-              <a:spcBef>
-                <a:spcPts val="1125"/>
-              </a:spcBef>
-              <a:buClr>
-                <a:srgbClr val="C00000"/>
-              </a:buClr>
-              <a:buSzPts val="2100"/>
-            </a:pPr>
-            <a:r>
-              <a:rPr lang="en-US" sz="3600" dirty="0">
-                <a:solidFill>
-                  <a:srgbClr val="C00000"/>
-                </a:solidFill>
-                <a:latin typeface="Pragmatica" panose="020B0403040502020204"/>
-                <a:sym typeface="Consolas"/>
-              </a:rPr>
-              <a:t>File: </a:t>
-            </a:r>
-            <a:r>
-              <a:rPr lang="en-US" sz="3600" dirty="0">
-                <a:solidFill>
-                  <a:srgbClr val="C00000"/>
-                </a:solidFill>
-                <a:latin typeface="Consolas" panose="020B0609020204030204" pitchFamily="49" charset="0"/>
-                <a:sym typeface="Consolas"/>
-              </a:rPr>
-              <a:t>first-flow.xlsx</a:t>
-            </a:r>
-          </a:p>
-        </p:txBody>
-      </p:sp>
-    </p:spTree>
-    <p:extLst>
-      <p:ext uri="{BB962C8B-B14F-4D97-AF65-F5344CB8AC3E}">
-        <p14:creationId xmlns:p14="http://schemas.microsoft.com/office/powerpoint/2010/main" val="3871531779"/>
-      </p:ext>
-    </p:extLst>
-  </p:cSld>
-  <p:clrMapOvr>
-    <a:masterClrMapping/>
-  </p:clrMapOvr>
-</p:sld>
-</file>
-
-<file path=ppt/slides/slide5.xml><?xml version="1.0" encoding="utf-8"?>
-<p:sld xmlns:a="http://schemas.openxmlformats.org/drawingml/2006/main" xmlns:r="http://schemas.openxmlformats.org/officeDocument/2006/relationships" xmlns:p="http://schemas.openxmlformats.org/presentationml/2006/main">
-  <p:cSld>
-    <p:spTree>
-      <p:nvGrpSpPr>
-        <p:cNvPr id="1" name=""/>
-        <p:cNvGrpSpPr/>
-        <p:nvPr/>
-      </p:nvGrpSpPr>
-      <p:grpSpPr>
-        <a:xfrm>
-          <a:off x="0" y="0"/>
-          <a:ext cx="0" cy="0"/>
-          <a:chOff x="0" y="0"/>
-          <a:chExt cx="0" cy="0"/>
-        </a:xfrm>
-      </p:grpSpPr>
-      <p:sp>
-        <p:nvSpPr>
-          <p:cNvPr id="4" name="Rectangle 3"/>
-          <p:cNvSpPr/>
-          <p:nvPr/>
-        </p:nvSpPr>
-        <p:spPr>
-          <a:xfrm>
-            <a:off x="9861630" y="0"/>
-            <a:ext cx="8426370" cy="10287000"/>
-          </a:xfrm>
-          <a:prstGeom prst="rect">
-            <a:avLst/>
-          </a:prstGeom>
-          <a:solidFill>
-            <a:srgbClr val="CF3338"/>
-          </a:solidFill>
-          <a:ln>
-            <a:noFill/>
-          </a:ln>
-        </p:spPr>
-        <p:style>
-          <a:lnRef idx="2">
-            <a:schemeClr val="accent1">
-              <a:shade val="50000"/>
-            </a:schemeClr>
-          </a:lnRef>
-          <a:fillRef idx="1">
-            <a:schemeClr val="accent1"/>
-          </a:fillRef>
-          <a:effectRef idx="0">
-            <a:schemeClr val="accent1"/>
-          </a:effectRef>
-          <a:fontRef idx="minor">
-            <a:schemeClr val="lt1"/>
-          </a:fontRef>
-        </p:style>
-        <p:txBody>
-          <a:bodyPr rtlCol="0" anchor="ctr"/>
-          <a:lstStyle/>
-          <a:p>
-            <a:pPr algn="ctr"/>
-            <a:endParaRPr lang="en-US" sz="2700"/>
-          </a:p>
-        </p:txBody>
-      </p:sp>
-      <p:pic>
-        <p:nvPicPr>
-          <p:cNvPr id="2" name="Picture 1"/>
-          <p:cNvPicPr>
-            <a:picLocks noChangeAspect="1"/>
-          </p:cNvPicPr>
-          <p:nvPr/>
-        </p:nvPicPr>
-        <p:blipFill rotWithShape="1">
-          <a:blip r:embed="rId3">
-            <a:extLst>
-              <a:ext uri="{28A0092B-C50C-407E-A947-70E740481C1C}">
-                <a14:useLocalDpi xmlns:a14="http://schemas.microsoft.com/office/drawing/2010/main" val="0"/>
-              </a:ext>
-            </a:extLst>
-          </a:blip>
-          <a:srcRect l="69227" t="33418" r="20112" b="50548"/>
-          <a:stretch/>
-        </p:blipFill>
-        <p:spPr>
-          <a:xfrm>
-            <a:off x="15579524" y="7544693"/>
-            <a:ext cx="2708477" cy="2987579"/>
-          </a:xfrm>
-          <a:prstGeom prst="rect">
-            <a:avLst/>
-          </a:prstGeom>
-        </p:spPr>
-      </p:pic>
-      <p:sp>
-        <p:nvSpPr>
-          <p:cNvPr id="3" name="TextBox 2"/>
-          <p:cNvSpPr txBox="1"/>
-          <p:nvPr/>
-        </p:nvSpPr>
-        <p:spPr>
-          <a:xfrm>
-            <a:off x="260431" y="329879"/>
-            <a:ext cx="8906720" cy="6936322"/>
-          </a:xfrm>
-          <a:prstGeom prst="rect">
-            <a:avLst/>
-          </a:prstGeom>
-          <a:noFill/>
-        </p:spPr>
-        <p:txBody>
-          <a:bodyPr wrap="square" rtlCol="0">
-            <a:spAutoFit/>
-          </a:bodyPr>
-          <a:lstStyle/>
-          <a:p>
-            <a:r>
-              <a:rPr lang="en-US" sz="6000" b="1" dirty="0">
-                <a:solidFill>
-                  <a:srgbClr val="CF3338"/>
-                </a:solidFill>
-                <a:latin typeface="Pragmatica" panose="020B0403040502020204" pitchFamily="34" charset="0"/>
-              </a:rPr>
-              <a:t>Customizing outputs with Power </a:t>
-            </a:r>
-            <a:r>
-              <a:rPr lang="en-US" sz="6000" b="1" dirty="0" err="1">
-                <a:solidFill>
-                  <a:srgbClr val="CF3338"/>
-                </a:solidFill>
-                <a:latin typeface="Pragmatica" panose="020B0403040502020204" pitchFamily="34" charset="0"/>
-              </a:rPr>
-              <a:t>Fx</a:t>
-            </a:r>
-            <a:endParaRPr lang="en-US" sz="6000" b="1" dirty="0">
-              <a:solidFill>
-                <a:srgbClr val="CF3338"/>
-              </a:solidFill>
-              <a:latin typeface="Pragmatica" panose="020B0403040502020204" pitchFamily="34" charset="0"/>
-            </a:endParaRPr>
-          </a:p>
-          <a:p>
-            <a:endParaRPr lang="en-US" sz="4200" dirty="0">
-              <a:solidFill>
-                <a:srgbClr val="CF3338"/>
-              </a:solidFill>
-              <a:latin typeface="Pragmatica" panose="020B0403040502020204" pitchFamily="34" charset="0"/>
-            </a:endParaRPr>
-          </a:p>
-          <a:p>
-            <a:pPr marL="342900" marR="0" lvl="0" indent="-342900">
-              <a:lnSpc>
-                <a:spcPct val="115000"/>
-              </a:lnSpc>
-              <a:spcBef>
-                <a:spcPts val="0"/>
-              </a:spcBef>
-              <a:spcAft>
-                <a:spcPts val="0"/>
-              </a:spcAft>
-              <a:buFont typeface="+mj-lt"/>
-              <a:buAutoNum type="arabicPeriod"/>
-            </a:pPr>
-            <a:r>
-              <a:rPr lang="en-US" sz="3200" kern="100" dirty="0">
-                <a:solidFill>
-                  <a:srgbClr val="CF3338"/>
-                </a:solidFill>
-                <a:effectLst/>
-                <a:latin typeface="Pragmatica" panose="020B0403040502020204"/>
-                <a:ea typeface="Aptos" panose="020B0004020202020204" pitchFamily="34" charset="0"/>
-                <a:cs typeface="Times New Roman" panose="02020603050405020304" pitchFamily="18" charset="0"/>
-              </a:rPr>
-              <a:t>Continue with the previous example</a:t>
-            </a:r>
-          </a:p>
-          <a:p>
-            <a:pPr marL="342900" marR="0" lvl="0" indent="-342900">
-              <a:lnSpc>
-                <a:spcPct val="115000"/>
-              </a:lnSpc>
-              <a:spcBef>
-                <a:spcPts val="0"/>
-              </a:spcBef>
-              <a:spcAft>
-                <a:spcPts val="0"/>
-              </a:spcAft>
-              <a:buFont typeface="+mj-lt"/>
-              <a:buAutoNum type="arabicPeriod"/>
-            </a:pPr>
-            <a:r>
-              <a:rPr lang="en-US" sz="3200" kern="100" dirty="0">
-                <a:solidFill>
-                  <a:srgbClr val="CF3338"/>
-                </a:solidFill>
-                <a:latin typeface="Pragmatica" panose="020B0403040502020204"/>
-                <a:ea typeface="Aptos" panose="020B0004020202020204" pitchFamily="34" charset="0"/>
-                <a:cs typeface="Times New Roman" panose="02020603050405020304" pitchFamily="18" charset="0"/>
-              </a:rPr>
-              <a:t>How can we improve appearance of outputs in Excel? </a:t>
-            </a:r>
-            <a:endParaRPr lang="en-US" sz="3200" kern="100" dirty="0">
-              <a:solidFill>
-                <a:srgbClr val="CF3338"/>
-              </a:solidFill>
-              <a:effectLst/>
-              <a:latin typeface="Pragmatica" panose="020B0403040502020204"/>
-              <a:ea typeface="Aptos" panose="020B0004020202020204" pitchFamily="34" charset="0"/>
-              <a:cs typeface="Times New Roman" panose="02020603050405020304" pitchFamily="18" charset="0"/>
-            </a:endParaRPr>
-          </a:p>
-          <a:p>
-            <a:pPr marL="142875">
-              <a:lnSpc>
-                <a:spcPct val="115000"/>
-              </a:lnSpc>
-              <a:spcBef>
-                <a:spcPts val="1125"/>
-              </a:spcBef>
-              <a:buClr>
-                <a:srgbClr val="C00000"/>
-              </a:buClr>
-              <a:buSzPts val="2100"/>
-            </a:pPr>
-            <a:r>
-              <a:rPr lang="en-US" sz="3600" dirty="0">
-                <a:solidFill>
-                  <a:srgbClr val="C00000"/>
-                </a:solidFill>
-                <a:latin typeface="Pragmatica" panose="020B0403040502020204"/>
-                <a:sym typeface="Consolas"/>
-              </a:rPr>
-              <a:t>Resource: https://stringfestanalytics.com/power-automate-for-excel-how-to-understand-the-power-fx-programming-language/</a:t>
-            </a:r>
-            <a:endParaRPr lang="en-US" sz="6000" dirty="0">
-              <a:solidFill>
-                <a:srgbClr val="CF3338"/>
-              </a:solidFill>
-              <a:latin typeface="Pragmatica" panose="020B0403040502020204"/>
-            </a:endParaRPr>
-          </a:p>
-        </p:txBody>
-      </p:sp>
-    </p:spTree>
-    <p:extLst>
-      <p:ext uri="{BB962C8B-B14F-4D97-AF65-F5344CB8AC3E}">
-        <p14:creationId xmlns:p14="http://schemas.microsoft.com/office/powerpoint/2010/main" val="1679221718"/>
-      </p:ext>
-    </p:extLst>
-  </p:cSld>
-  <p:clrMapOvr>
-    <a:masterClrMapping/>
-  </p:clrMapOvr>
-</p:sld>
-</file>
-
-<file path=ppt/slides/slide6.xml><?xml version="1.0" encoding="utf-8"?>
-<p:sld xmlns:a="http://schemas.openxmlformats.org/drawingml/2006/main" xmlns:r="http://schemas.openxmlformats.org/officeDocument/2006/relationships" xmlns:p="http://schemas.openxmlformats.org/presentationml/2006/main">
-  <p:cSld>
-    <p:spTree>
-      <p:nvGrpSpPr>
-        <p:cNvPr id="1" name="">
-          <a:extLst>
-            <a:ext uri="{FF2B5EF4-FFF2-40B4-BE49-F238E27FC236}">
-              <a16:creationId xmlns:a16="http://schemas.microsoft.com/office/drawing/2014/main" id="{FC0679BB-E487-A9E3-1278-DBD7FB7F19FE}"/>
-            </a:ext>
-          </a:extLst>
-        </p:cNvPr>
-        <p:cNvGrpSpPr/>
-        <p:nvPr/>
-      </p:nvGrpSpPr>
-      <p:grpSpPr>
-        <a:xfrm>
-          <a:off x="0" y="0"/>
-          <a:ext cx="0" cy="0"/>
-          <a:chOff x="0" y="0"/>
-          <a:chExt cx="0" cy="0"/>
-        </a:xfrm>
-      </p:grpSpPr>
-      <p:sp>
-        <p:nvSpPr>
-          <p:cNvPr id="4" name="Rectangle 3">
-            <a:extLst>
-              <a:ext uri="{FF2B5EF4-FFF2-40B4-BE49-F238E27FC236}">
-                <a16:creationId xmlns:a16="http://schemas.microsoft.com/office/drawing/2014/main" id="{4B8E3D40-A823-8428-6682-B724027EAF41}"/>
-              </a:ext>
-            </a:extLst>
-          </p:cNvPr>
-          <p:cNvSpPr/>
-          <p:nvPr/>
-        </p:nvSpPr>
-        <p:spPr>
-          <a:xfrm>
-            <a:off x="9861630" y="0"/>
-            <a:ext cx="8426370" cy="10287000"/>
-          </a:xfrm>
-          <a:prstGeom prst="rect">
-            <a:avLst/>
-          </a:prstGeom>
-          <a:solidFill>
-            <a:srgbClr val="CF3338"/>
-          </a:solidFill>
-          <a:ln>
-            <a:noFill/>
-          </a:ln>
-        </p:spPr>
-        <p:style>
-          <a:lnRef idx="2">
-            <a:schemeClr val="accent1">
-              <a:shade val="50000"/>
-            </a:schemeClr>
-          </a:lnRef>
-          <a:fillRef idx="1">
-            <a:schemeClr val="accent1"/>
-          </a:fillRef>
-          <a:effectRef idx="0">
-            <a:schemeClr val="accent1"/>
-          </a:effectRef>
-          <a:fontRef idx="minor">
-            <a:schemeClr val="lt1"/>
-          </a:fontRef>
-        </p:style>
-        <p:txBody>
-          <a:bodyPr rtlCol="0" anchor="ctr"/>
-          <a:lstStyle/>
-          <a:p>
-            <a:pPr algn="ctr"/>
-            <a:endParaRPr lang="en-US" sz="2700"/>
-          </a:p>
-        </p:txBody>
-      </p:sp>
-      <p:pic>
-        <p:nvPicPr>
-          <p:cNvPr id="2" name="Picture 1">
-            <a:extLst>
-              <a:ext uri="{FF2B5EF4-FFF2-40B4-BE49-F238E27FC236}">
-                <a16:creationId xmlns:a16="http://schemas.microsoft.com/office/drawing/2014/main" id="{F524E154-15C4-0B23-E9C5-29E2DD497327}"/>
-              </a:ext>
-            </a:extLst>
-          </p:cNvPr>
-          <p:cNvPicPr>
-            <a:picLocks noChangeAspect="1"/>
-          </p:cNvPicPr>
-          <p:nvPr/>
-        </p:nvPicPr>
-        <p:blipFill rotWithShape="1">
-          <a:blip r:embed="rId3">
-            <a:extLst>
-              <a:ext uri="{28A0092B-C50C-407E-A947-70E740481C1C}">
-                <a14:useLocalDpi xmlns:a14="http://schemas.microsoft.com/office/drawing/2010/main" val="0"/>
-              </a:ext>
-            </a:extLst>
-          </a:blip>
-          <a:srcRect l="69227" t="33418" r="20112" b="50548"/>
-          <a:stretch/>
-        </p:blipFill>
-        <p:spPr>
-          <a:xfrm>
-            <a:off x="15579524" y="7544693"/>
-            <a:ext cx="2708477" cy="2987579"/>
-          </a:xfrm>
-          <a:prstGeom prst="rect">
-            <a:avLst/>
-          </a:prstGeom>
-        </p:spPr>
-      </p:pic>
-      <p:sp>
-        <p:nvSpPr>
-          <p:cNvPr id="3" name="TextBox 2">
-            <a:extLst>
-              <a:ext uri="{FF2B5EF4-FFF2-40B4-BE49-F238E27FC236}">
-                <a16:creationId xmlns:a16="http://schemas.microsoft.com/office/drawing/2014/main" id="{E1343823-9545-2632-2777-4994B59C3581}"/>
-              </a:ext>
-            </a:extLst>
-          </p:cNvPr>
-          <p:cNvSpPr txBox="1"/>
-          <p:nvPr/>
-        </p:nvSpPr>
-        <p:spPr>
-          <a:xfrm>
-            <a:off x="260431" y="329879"/>
-            <a:ext cx="8906720" cy="6791154"/>
-          </a:xfrm>
-          <a:prstGeom prst="rect">
-            <a:avLst/>
-          </a:prstGeom>
-          <a:noFill/>
-        </p:spPr>
-        <p:txBody>
-          <a:bodyPr wrap="square" rtlCol="0">
-            <a:spAutoFit/>
-          </a:bodyPr>
-          <a:lstStyle/>
-          <a:p>
-            <a:r>
-              <a:rPr lang="en-US" sz="6000" b="1" dirty="0">
-                <a:solidFill>
-                  <a:srgbClr val="CF3338"/>
-                </a:solidFill>
-                <a:latin typeface="Pragmatica" panose="020B0403040502020204" pitchFamily="34" charset="0"/>
-              </a:rPr>
-              <a:t>Building flows with Copilot</a:t>
-            </a:r>
-          </a:p>
-          <a:p>
-            <a:endParaRPr lang="en-US" sz="4200" dirty="0">
-              <a:solidFill>
-                <a:srgbClr val="CF3338"/>
-              </a:solidFill>
-              <a:latin typeface="Pragmatica" panose="020B0403040502020204" pitchFamily="34" charset="0"/>
-            </a:endParaRPr>
-          </a:p>
-          <a:p>
-            <a:pPr marL="342900" marR="0" lvl="0" indent="-342900">
-              <a:lnSpc>
-                <a:spcPct val="115000"/>
-              </a:lnSpc>
-              <a:spcBef>
-                <a:spcPts val="0"/>
-              </a:spcBef>
-              <a:spcAft>
-                <a:spcPts val="0"/>
-              </a:spcAft>
-              <a:buFont typeface="+mj-lt"/>
-              <a:buAutoNum type="arabicPeriod"/>
-            </a:pPr>
-            <a:r>
-              <a:rPr lang="en-US" sz="3200" kern="100" dirty="0">
-                <a:solidFill>
-                  <a:srgbClr val="CF3338"/>
-                </a:solidFill>
-                <a:effectLst/>
-                <a:latin typeface="Pragmatica" panose="020B0403040502020204"/>
-                <a:ea typeface="Aptos" panose="020B0004020202020204" pitchFamily="34" charset="0"/>
-                <a:cs typeface="Times New Roman" panose="02020603050405020304" pitchFamily="18" charset="0"/>
-              </a:rPr>
-              <a:t>Get AI assistance to build a flow</a:t>
-            </a:r>
-          </a:p>
-          <a:p>
-            <a:pPr marL="342900" marR="0" lvl="0" indent="-342900">
-              <a:lnSpc>
-                <a:spcPct val="115000"/>
-              </a:lnSpc>
-              <a:spcBef>
-                <a:spcPts val="0"/>
-              </a:spcBef>
-              <a:spcAft>
-                <a:spcPts val="0"/>
-              </a:spcAft>
-              <a:buFont typeface="+mj-lt"/>
-              <a:buAutoNum type="arabicPeriod"/>
-            </a:pPr>
-            <a:r>
-              <a:rPr lang="en-US" sz="3200" kern="100" dirty="0">
-                <a:solidFill>
-                  <a:srgbClr val="CF3338"/>
-                </a:solidFill>
-                <a:latin typeface="Pragmatica" panose="020B0403040502020204"/>
-                <a:ea typeface="Aptos" panose="020B0004020202020204" pitchFamily="34" charset="0"/>
-                <a:cs typeface="Times New Roman" panose="02020603050405020304" pitchFamily="18" charset="0"/>
-              </a:rPr>
-              <a:t>Create a monthly email/post to Teams based on data in a workbook</a:t>
-            </a:r>
-            <a:endParaRPr lang="en-US" sz="3200" kern="100" dirty="0">
-              <a:solidFill>
-                <a:srgbClr val="CF3338"/>
-              </a:solidFill>
-              <a:effectLst/>
-              <a:latin typeface="Pragmatica" panose="020B0403040502020204"/>
-              <a:ea typeface="Aptos" panose="020B0004020202020204" pitchFamily="34" charset="0"/>
-              <a:cs typeface="Times New Roman" panose="02020603050405020304" pitchFamily="18" charset="0"/>
-            </a:endParaRPr>
-          </a:p>
-          <a:p>
-            <a:pPr marL="142875">
-              <a:lnSpc>
-                <a:spcPct val="115000"/>
-              </a:lnSpc>
-              <a:spcBef>
-                <a:spcPts val="1125"/>
-              </a:spcBef>
-              <a:buClr>
-                <a:srgbClr val="C00000"/>
-              </a:buClr>
-              <a:buSzPts val="2100"/>
-            </a:pPr>
-            <a:r>
-              <a:rPr lang="en-US" sz="3600" dirty="0">
-                <a:solidFill>
-                  <a:srgbClr val="C00000"/>
-                </a:solidFill>
-                <a:latin typeface="Pragmatica" panose="020B0403040502020204"/>
-                <a:sym typeface="Consolas"/>
-              </a:rPr>
-              <a:t>File: </a:t>
-            </a:r>
-            <a:r>
-              <a:rPr lang="en-US" sz="3600" dirty="0">
-                <a:solidFill>
-                  <a:srgbClr val="C00000"/>
-                </a:solidFill>
-                <a:latin typeface="Consolas" panose="020B0609020204030204" pitchFamily="49" charset="0"/>
-                <a:sym typeface="Consolas"/>
-              </a:rPr>
-              <a:t>power-automate-copilot.xlsx</a:t>
-            </a:r>
-          </a:p>
-          <a:p>
-            <a:pPr marL="142875">
-              <a:lnSpc>
-                <a:spcPct val="115000"/>
-              </a:lnSpc>
-              <a:spcBef>
-                <a:spcPts val="1125"/>
-              </a:spcBef>
-              <a:buClr>
-                <a:srgbClr val="C00000"/>
-              </a:buClr>
-              <a:buSzPts val="2100"/>
-            </a:pPr>
-            <a:r>
-              <a:rPr lang="en-US" sz="3600" dirty="0">
-                <a:solidFill>
-                  <a:srgbClr val="C00000"/>
-                </a:solidFill>
-                <a:latin typeface="Pragmatica" panose="020B0403040502020204"/>
-                <a:sym typeface="Consolas"/>
-              </a:rPr>
-              <a:t>Resource: https://stringfestanalytics.com/power-automate-for-excel-how-to-build-flows-with-copilot/</a:t>
-            </a:r>
-            <a:endParaRPr lang="en-US" sz="6000" dirty="0">
-              <a:solidFill>
-                <a:srgbClr val="CF3338"/>
-              </a:solidFill>
-              <a:latin typeface="Pragmatica" panose="020B0403040502020204"/>
-            </a:endParaRPr>
-          </a:p>
-        </p:txBody>
-      </p:sp>
-    </p:spTree>
-    <p:extLst>
-      <p:ext uri="{BB962C8B-B14F-4D97-AF65-F5344CB8AC3E}">
-        <p14:creationId xmlns:p14="http://schemas.microsoft.com/office/powerpoint/2010/main" val="445953425"/>
-      </p:ext>
-    </p:extLst>
-  </p:cSld>
-  <p:clrMapOvr>
-    <a:masterClrMapping/>
-  </p:clrMapOvr>
-</p:sld>
-</file>
-
-<file path=ppt/slides/slide7.xml><?xml version="1.0" encoding="utf-8"?>
 <p:sld xmlns:a="http://schemas.openxmlformats.org/drawingml/2006/main" xmlns:r="http://schemas.openxmlformats.org/officeDocument/2006/relationships" xmlns:p="http://schemas.openxmlformats.org/presentationml/2006/main">
   <p:cSld>
     <p:spTree>
@@ -5409,7 +4244,7 @@
 </p:sld>
 </file>
 
-<file path=ppt/slides/slide8.xml><?xml version="1.0" encoding="utf-8"?>
+<file path=ppt/slides/slide5.xml><?xml version="1.0" encoding="utf-8"?>
 <p:sld xmlns:a="http://schemas.openxmlformats.org/drawingml/2006/main" xmlns:r="http://schemas.openxmlformats.org/officeDocument/2006/relationships" xmlns:p="http://schemas.openxmlformats.org/presentationml/2006/main">
   <p:cSld>
     <p:spTree>
